--- a/个人分享资料/salt-ng执行分享.pptx
+++ b/个人分享资料/salt-ng执行分享.pptx
@@ -5,17 +5,17 @@
     <p:sldMasterId id="2147483648" r:id="rId1"/>
   </p:sldMasterIdLst>
   <p:notesMasterIdLst>
-    <p:notesMasterId r:id="rId10"/>
+    <p:notesMasterId r:id="rId5"/>
   </p:notesMasterIdLst>
   <p:sldIdLst>
-    <p:sldId id="256" r:id="rId2"/>
-    <p:sldId id="335" r:id="rId3"/>
-    <p:sldId id="257" r:id="rId4"/>
-    <p:sldId id="331" r:id="rId5"/>
-    <p:sldId id="334" r:id="rId6"/>
-    <p:sldId id="333" r:id="rId7"/>
-    <p:sldId id="336" r:id="rId8"/>
-    <p:sldId id="282" r:id="rId9"/>
+    <p:sldId id="256" r:id="rId3"/>
+    <p:sldId id="335" r:id="rId4"/>
+    <p:sldId id="257" r:id="rId6"/>
+    <p:sldId id="331" r:id="rId7"/>
+    <p:sldId id="334" r:id="rId8"/>
+    <p:sldId id="333" r:id="rId9"/>
+    <p:sldId id="336" r:id="rId10"/>
+    <p:sldId id="282" r:id="rId11"/>
   </p:sldIdLst>
   <p:sldSz cx="9144000" cy="6858000" type="screen4x3"/>
   <p:notesSz cx="9144000" cy="6858000"/>
@@ -114,22 +114,6 @@
       </a:defRPr>
     </a:lvl9pPr>
   </p:defaultTextStyle>
-  <p:extLst>
-    <p:ext uri="{EFAFB233-063F-42B5-8137-9DF3F51BA10A}">
-      <p15:sldGuideLst xmlns:p15="http://schemas.microsoft.com/office/powerpoint/2012/main">
-        <p15:guide id="1" orient="horz" pos="2880">
-          <p15:clr>
-            <a:srgbClr val="A4A3A4"/>
-          </p15:clr>
-        </p15:guide>
-        <p15:guide id="2" pos="2160">
-          <p15:clr>
-            <a:srgbClr val="A4A3A4"/>
-          </p15:clr>
-        </p15:guide>
-      </p15:sldGuideLst>
-    </p:ext>
-  </p:extLst>
 </p:presentation>
 </file>
 
@@ -215,7 +199,6 @@
           <a:p>
             <a:fld id="{36F4F75D-1029-4A7D-8F84-6B4350FAFA5A}" type="datetimeFigureOut">
               <a:rPr lang="zh-CN" altLang="en-US" smtClean="0"/>
-              <a:t>2019/3/17</a:t>
             </a:fld>
             <a:endParaRPr lang="zh-CN" altLang="en-US"/>
           </a:p>
@@ -282,6 +265,7 @@
               <a:rPr lang="zh-CN" altLang="en-US" smtClean="0"/>
               <a:t>单击此处编辑母版文本样式</a:t>
             </a:r>
+            <a:endParaRPr lang="zh-CN" altLang="en-US" smtClean="0"/>
           </a:p>
           <a:p>
             <a:pPr lvl="1"/>
@@ -289,6 +273,7 @@
               <a:rPr lang="zh-CN" altLang="en-US" smtClean="0"/>
               <a:t>第二级</a:t>
             </a:r>
+            <a:endParaRPr lang="zh-CN" altLang="en-US" smtClean="0"/>
           </a:p>
           <a:p>
             <a:pPr lvl="2"/>
@@ -296,6 +281,7 @@
               <a:rPr lang="zh-CN" altLang="en-US" smtClean="0"/>
               <a:t>第三级</a:t>
             </a:r>
+            <a:endParaRPr lang="zh-CN" altLang="en-US" smtClean="0"/>
           </a:p>
           <a:p>
             <a:pPr lvl="3"/>
@@ -303,6 +289,7 @@
               <a:rPr lang="zh-CN" altLang="en-US" smtClean="0"/>
               <a:t>第四级</a:t>
             </a:r>
+            <a:endParaRPr lang="zh-CN" altLang="en-US" smtClean="0"/>
           </a:p>
           <a:p>
             <a:pPr lvl="4"/>
@@ -374,18 +361,12 @@
           <a:p>
             <a:fld id="{AE1E66DB-D181-4591-8344-40AAFB198C39}" type="slidenum">
               <a:rPr lang="zh-CN" altLang="en-US" smtClean="0"/>
-              <a:t>‹#›</a:t>
             </a:fld>
             <a:endParaRPr lang="zh-CN" altLang="en-US"/>
           </a:p>
         </p:txBody>
       </p:sp>
     </p:spTree>
-    <p:extLst>
-      <p:ext uri="{BB962C8B-B14F-4D97-AF65-F5344CB8AC3E}">
-        <p14:creationId xmlns:p14="http://schemas.microsoft.com/office/powerpoint/2010/main" val="4202314629"/>
-      </p:ext>
-    </p:extLst>
   </p:cSld>
   <p:clrMap bg1="lt1" tx1="dk1" bg2="lt2" tx2="dk2" accent1="accent1" accent2="accent2" accent3="accent3" accent4="accent4" accent5="accent5" accent6="accent6" hlink="hlink" folHlink="folHlink"/>
   <p:notesStyle>
@@ -548,7 +529,6 @@
               <a:buSzTx/>
               <a:buFontTx/>
               <a:buNone/>
-              <a:tabLst/>
               <a:defRPr/>
             </a:pPr>
             <a:r>
@@ -592,7 +572,6 @@
               <a:buSzTx/>
               <a:buFontTx/>
               <a:buNone/>
-              <a:tabLst/>
               <a:defRPr/>
             </a:pPr>
             <a:r>
@@ -616,16 +595,11 @@
               <a:buSzTx/>
               <a:buFontTx/>
               <a:buNone/>
-              <a:tabLst/>
               <a:defRPr/>
             </a:pPr>
             <a:r>
               <a:rPr lang="zh-CN" altLang="en-US" dirty="0" smtClean="0"/>
               <a:t>方案二：</a:t>
-            </a:r>
-            <a:r>
-              <a:rPr lang="zh-CN" altLang="en-US" dirty="0" smtClean="0"/>
-              <a:t/>
             </a:r>
             <a:br>
               <a:rPr lang="zh-CN" altLang="en-US" dirty="0" smtClean="0"/>
@@ -647,11 +621,6 @@
         </p:txBody>
       </p:sp>
     </p:spTree>
-    <p:extLst>
-      <p:ext uri="{BB962C8B-B14F-4D97-AF65-F5344CB8AC3E}">
-        <p14:creationId xmlns:p14="http://schemas.microsoft.com/office/powerpoint/2010/main" val="3778848820"/>
-      </p:ext>
-    </p:extLst>
   </p:cSld>
   <p:clrMapOvr>
     <a:masterClrMapping/>
@@ -711,6 +680,7 @@
               <a:rPr lang="zh-CN" altLang="en-US" dirty="0" smtClean="0"/>
               <a:t>在测试环境维护的过程中，我们见到过很多的一键化操作的指令，比如：</a:t>
             </a:r>
+            <a:endParaRPr lang="zh-CN" altLang="en-US" dirty="0" smtClean="0"/>
           </a:p>
           <a:p>
             <a:r>
@@ -719,11 +689,19 @@
             </a:r>
             <a:r>
               <a:rPr lang="zh-CN" altLang="en-US" dirty="0" smtClean="0"/>
-              <a:t>那么，问题来</a:t>
+              <a:t>但是实际上，我们仅仅是在</a:t>
+            </a:r>
+            <a:r>
+              <a:rPr lang="en-US" altLang="zh-CN" dirty="0" smtClean="0"/>
+              <a:t>git</a:t>
             </a:r>
             <a:r>
               <a:rPr lang="zh-CN" altLang="en-US" dirty="0" smtClean="0"/>
-              <a:t>了</a:t>
+              <a:t>上提交了一些代码而已</a:t>
+            </a:r>
+            <a:r>
+              <a:rPr lang="zh-CN" altLang="en-US" dirty="0" smtClean="0"/>
+              <a:t>，那么，问题来了</a:t>
             </a:r>
             <a:endParaRPr lang="en-US" altLang="zh-CN" dirty="0" smtClean="0"/>
           </a:p>
@@ -734,7 +712,7 @@
             </a:r>
             <a:r>
               <a:rPr lang="zh-CN" altLang="en-US" dirty="0" smtClean="0"/>
-              <a:t>很明显，从指令中门能看到一直在使用</a:t>
+              <a:t>很明显，从指令中我们能看到一直在使用</a:t>
             </a:r>
             <a:r>
               <a:rPr lang="zh-CN" altLang="en-US" dirty="0" smtClean="0">
@@ -770,10 +748,6 @@
                 <a:ea typeface="微软雅黑" panose="020B0503020204020204" charset="-122"/>
               </a:rPr>
               <a:t>。</a:t>
-            </a:r>
-            <a:r>
-              <a:rPr lang="zh-CN" altLang="en-US" dirty="0" smtClean="0"/>
-              <a:t/>
             </a:r>
             <a:br>
               <a:rPr lang="zh-CN" altLang="en-US" dirty="0" smtClean="0"/>
@@ -795,11 +769,6 @@
         </p:txBody>
       </p:sp>
     </p:spTree>
-    <p:extLst>
-      <p:ext uri="{BB962C8B-B14F-4D97-AF65-F5344CB8AC3E}">
-        <p14:creationId xmlns:p14="http://schemas.microsoft.com/office/powerpoint/2010/main" val="4059844022"/>
-      </p:ext>
-    </p:extLst>
   </p:cSld>
   <p:clrMapOvr>
     <a:masterClrMapping/>
@@ -921,10 +890,6 @@
               <a:rPr lang="zh-CN" altLang="en-US" baseline="0" dirty="0" smtClean="0"/>
               <a:t>当然，它有很多的优点和属性，这里就不再一一描述，感兴趣的同学我们可以一起研究</a:t>
             </a:r>
-            <a:r>
-              <a:rPr lang="zh-CN" altLang="en-US" dirty="0" smtClean="0"/>
-              <a:t/>
-            </a:r>
             <a:br>
               <a:rPr lang="zh-CN" altLang="en-US" dirty="0" smtClean="0"/>
             </a:br>
@@ -945,11 +910,6 @@
         </p:txBody>
       </p:sp>
     </p:spTree>
-    <p:extLst>
-      <p:ext uri="{BB962C8B-B14F-4D97-AF65-F5344CB8AC3E}">
-        <p14:creationId xmlns:p14="http://schemas.microsoft.com/office/powerpoint/2010/main" val="3112530072"/>
-      </p:ext>
-    </p:extLst>
   </p:cSld>
   <p:clrMapOvr>
     <a:masterClrMapping/>
@@ -1015,7 +975,6 @@
               <a:buSzTx/>
               <a:buFontTx/>
               <a:buNone/>
-              <a:tabLst/>
               <a:defRPr/>
             </a:pPr>
             <a:r>
@@ -1061,10 +1020,6 @@
             <a:r>
               <a:rPr lang="zh-CN" altLang="en-US" baseline="0" dirty="0" smtClean="0"/>
               <a:t>了，这个背后到底做了些什么呢？</a:t>
-            </a:r>
-            <a:r>
-              <a:rPr lang="zh-CN" altLang="en-US" dirty="0" smtClean="0"/>
-              <a:t/>
             </a:r>
             <a:br>
               <a:rPr lang="zh-CN" altLang="en-US" dirty="0" smtClean="0"/>
@@ -1086,11 +1041,6 @@
         </p:txBody>
       </p:sp>
     </p:spTree>
-    <p:extLst>
-      <p:ext uri="{BB962C8B-B14F-4D97-AF65-F5344CB8AC3E}">
-        <p14:creationId xmlns:p14="http://schemas.microsoft.com/office/powerpoint/2010/main" val="482195911"/>
-      </p:ext>
-    </p:extLst>
   </p:cSld>
   <p:clrMapOvr>
     <a:masterClrMapping/>
@@ -1181,10 +1131,6 @@
               <a:rPr lang="zh-CN" altLang="en-US" dirty="0" smtClean="0"/>
               <a:t>拉取不现实，因为不知道何时拉取，定时延迟太大。</a:t>
             </a:r>
-            <a:r>
-              <a:rPr lang="zh-CN" altLang="en-US" dirty="0" smtClean="0"/>
-              <a:t/>
-            </a:r>
             <a:br>
               <a:rPr lang="zh-CN" altLang="en-US" dirty="0" smtClean="0"/>
             </a:br>
@@ -1205,11 +1151,6 @@
         </p:txBody>
       </p:sp>
     </p:spTree>
-    <p:extLst>
-      <p:ext uri="{BB962C8B-B14F-4D97-AF65-F5344CB8AC3E}">
-        <p14:creationId xmlns:p14="http://schemas.microsoft.com/office/powerpoint/2010/main" val="3281479699"/>
-      </p:ext>
-    </p:extLst>
   </p:cSld>
   <p:clrMapOvr>
     <a:masterClrMapping/>
@@ -1265,10 +1206,6 @@
               <a:rPr lang="zh-CN" altLang="en-US" dirty="0" smtClean="0"/>
               <a:t>下面，我们通过一个脚本实例来加深下大家对上边内容的理解：</a:t>
             </a:r>
-            <a:r>
-              <a:rPr lang="zh-CN" altLang="en-US" dirty="0" smtClean="0"/>
-              <a:t/>
-            </a:r>
             <a:br>
               <a:rPr lang="zh-CN" altLang="en-US" dirty="0" smtClean="0"/>
             </a:br>
@@ -1289,11 +1226,6 @@
         </p:txBody>
       </p:sp>
     </p:spTree>
-    <p:extLst>
-      <p:ext uri="{BB962C8B-B14F-4D97-AF65-F5344CB8AC3E}">
-        <p14:creationId xmlns:p14="http://schemas.microsoft.com/office/powerpoint/2010/main" val="1611230237"/>
-      </p:ext>
-    </p:extLst>
   </p:cSld>
   <p:clrMapOvr>
     <a:masterClrMapping/>
@@ -1389,18 +1321,12 @@
           <a:p>
             <a:fld id="{AE1E66DB-D181-4591-8344-40AAFB198C39}" type="slidenum">
               <a:rPr lang="zh-CN" altLang="en-US" smtClean="0"/>
-              <a:t>8</a:t>
             </a:fld>
             <a:endParaRPr lang="zh-CN" altLang="en-US"/>
           </a:p>
         </p:txBody>
       </p:sp>
     </p:spTree>
-    <p:extLst>
-      <p:ext uri="{BB962C8B-B14F-4D97-AF65-F5344CB8AC3E}">
-        <p14:creationId xmlns:p14="http://schemas.microsoft.com/office/powerpoint/2010/main" val="1467483655"/>
-      </p:ext>
-    </p:extLst>
   </p:cSld>
   <p:clrMapOvr>
     <a:masterClrMapping/>
@@ -1457,9 +1383,7 @@
               </a:defRPr>
             </a:lvl1pPr>
           </a:lstStyle>
-          <a:p>
-            <a:endParaRPr/>
-          </a:p>
+          <a:p/>
         </p:txBody>
       </p:sp>
       <p:sp>
@@ -1490,9 +1414,7 @@
               <a:defRPr/>
             </a:lvl1pPr>
           </a:lstStyle>
-          <a:p>
-            <a:endParaRPr/>
-          </a:p>
+          <a:p/>
         </p:txBody>
       </p:sp>
       <p:sp>
@@ -1519,9 +1441,7 @@
               </a:defRPr>
             </a:lvl1pPr>
           </a:lstStyle>
-          <a:p>
-            <a:endParaRPr/>
-          </a:p>
+          <a:p/>
         </p:txBody>
       </p:sp>
       <p:sp>
@@ -1551,7 +1471,6 @@
           <a:p>
             <a:fld id="{1D8BD707-D9CF-40AE-B4C6-C98DA3205C09}" type="datetimeFigureOut">
               <a:rPr lang="en-US"/>
-              <a:t>3/17/2019</a:t>
             </a:fld>
             <a:endParaRPr lang="en-US"/>
           </a:p>
@@ -1584,7 +1503,6 @@
           <a:p>
             <a:fld id="{B6F15528-21DE-4FAA-801E-634DDDAF4B2B}" type="slidenum">
               <a:rPr/>
-              <a:t>‹#›</a:t>
             </a:fld>
             <a:endParaRPr/>
           </a:p>
@@ -1639,9 +1557,7 @@
               </a:defRPr>
             </a:lvl1pPr>
           </a:lstStyle>
-          <a:p>
-            <a:endParaRPr/>
-          </a:p>
+          <a:p/>
         </p:txBody>
       </p:sp>
       <p:sp>
@@ -1668,9 +1584,7 @@
               </a:defRPr>
             </a:lvl1pPr>
           </a:lstStyle>
-          <a:p>
-            <a:endParaRPr/>
-          </a:p>
+          <a:p/>
         </p:txBody>
       </p:sp>
       <p:sp>
@@ -1697,9 +1611,7 @@
               </a:defRPr>
             </a:lvl1pPr>
           </a:lstStyle>
-          <a:p>
-            <a:endParaRPr/>
-          </a:p>
+          <a:p/>
         </p:txBody>
       </p:sp>
       <p:sp>
@@ -1729,7 +1641,6 @@
           <a:p>
             <a:fld id="{1D8BD707-D9CF-40AE-B4C6-C98DA3205C09}" type="datetimeFigureOut">
               <a:rPr lang="en-US"/>
-              <a:t>3/17/2019</a:t>
             </a:fld>
             <a:endParaRPr lang="en-US"/>
           </a:p>
@@ -1762,7 +1673,6 @@
           <a:p>
             <a:fld id="{B6F15528-21DE-4FAA-801E-634DDDAF4B2B}" type="slidenum">
               <a:rPr/>
-              <a:t>‹#›</a:t>
             </a:fld>
             <a:endParaRPr/>
           </a:p>
@@ -1817,9 +1727,7 @@
               </a:defRPr>
             </a:lvl1pPr>
           </a:lstStyle>
-          <a:p>
-            <a:endParaRPr/>
-          </a:p>
+          <a:p/>
         </p:txBody>
       </p:sp>
       <p:sp>
@@ -1850,9 +1758,7 @@
               <a:defRPr/>
             </a:lvl1pPr>
           </a:lstStyle>
-          <a:p>
-            <a:endParaRPr/>
-          </a:p>
+          <a:p/>
         </p:txBody>
       </p:sp>
       <p:sp>
@@ -1883,9 +1789,7 @@
               <a:defRPr/>
             </a:lvl1pPr>
           </a:lstStyle>
-          <a:p>
-            <a:endParaRPr/>
-          </a:p>
+          <a:p/>
         </p:txBody>
       </p:sp>
       <p:sp>
@@ -1912,9 +1816,7 @@
               </a:defRPr>
             </a:lvl1pPr>
           </a:lstStyle>
-          <a:p>
-            <a:endParaRPr/>
-          </a:p>
+          <a:p/>
         </p:txBody>
       </p:sp>
       <p:sp>
@@ -1944,7 +1846,6 @@
           <a:p>
             <a:fld id="{1D8BD707-D9CF-40AE-B4C6-C98DA3205C09}" type="datetimeFigureOut">
               <a:rPr lang="en-US"/>
-              <a:t>3/17/2019</a:t>
             </a:fld>
             <a:endParaRPr lang="en-US"/>
           </a:p>
@@ -1977,7 +1878,6 @@
           <a:p>
             <a:fld id="{B6F15528-21DE-4FAA-801E-634DDDAF4B2B}" type="slidenum">
               <a:rPr/>
-              <a:t>‹#›</a:t>
             </a:fld>
             <a:endParaRPr/>
           </a:p>
@@ -2032,9 +1932,7 @@
               </a:defRPr>
             </a:lvl1pPr>
           </a:lstStyle>
-          <a:p>
-            <a:endParaRPr/>
-          </a:p>
+          <a:p/>
         </p:txBody>
       </p:sp>
       <p:sp>
@@ -2061,9 +1959,7 @@
               </a:defRPr>
             </a:lvl1pPr>
           </a:lstStyle>
-          <a:p>
-            <a:endParaRPr/>
-          </a:p>
+          <a:p/>
         </p:txBody>
       </p:sp>
       <p:sp>
@@ -2093,7 +1989,6 @@
           <a:p>
             <a:fld id="{1D8BD707-D9CF-40AE-B4C6-C98DA3205C09}" type="datetimeFigureOut">
               <a:rPr lang="en-US"/>
-              <a:t>3/17/2019</a:t>
             </a:fld>
             <a:endParaRPr lang="en-US"/>
           </a:p>
@@ -2126,7 +2021,6 @@
           <a:p>
             <a:fld id="{B6F15528-21DE-4FAA-801E-634DDDAF4B2B}" type="slidenum">
               <a:rPr/>
-              <a:t>‹#›</a:t>
             </a:fld>
             <a:endParaRPr/>
           </a:p>
@@ -2141,7 +2035,7 @@
 </file>
 
 <file path=ppt/slideLayouts/slideLayout5.xml><?xml version="1.0" encoding="utf-8"?>
-<p:sldLayout xmlns:a="http://schemas.openxmlformats.org/drawingml/2006/main" xmlns:r="http://schemas.openxmlformats.org/officeDocument/2006/relationships" xmlns:p="http://schemas.openxmlformats.org/presentationml/2006/main" showMasterSp="0" type="obj" preserve="1">
+<p:sldLayout xmlns:a="http://schemas.openxmlformats.org/drawingml/2006/main" xmlns:r="http://schemas.openxmlformats.org/officeDocument/2006/relationships" xmlns:p="http://schemas.openxmlformats.org/presentationml/2006/main" type="obj" preserve="1" showMasterSp="0">
   <p:cSld name="Blank">
     <p:bg>
       <p:bgPr>
@@ -2330,9 +2224,7 @@
         <p:txBody>
           <a:bodyPr wrap="square" lIns="0" tIns="0" rIns="0" bIns="0" rtlCol="0"/>
           <a:lstStyle/>
-          <a:p>
-            <a:endParaRPr/>
-          </a:p>
+          <a:p/>
         </p:txBody>
       </p:sp>
       <p:sp>
@@ -2359,9 +2251,7 @@
         <p:txBody>
           <a:bodyPr wrap="square" lIns="0" tIns="0" rIns="0" bIns="0" rtlCol="0"/>
           <a:lstStyle/>
-          <a:p>
-            <a:endParaRPr/>
-          </a:p>
+          <a:p/>
         </p:txBody>
       </p:sp>
       <p:sp>
@@ -2457,9 +2347,7 @@
         <p:txBody>
           <a:bodyPr wrap="square" lIns="0" tIns="0" rIns="0" bIns="0" rtlCol="0"/>
           <a:lstStyle/>
-          <a:p>
-            <a:endParaRPr/>
-          </a:p>
+          <a:p/>
         </p:txBody>
       </p:sp>
       <p:sp>
@@ -2557,9 +2445,7 @@
         <p:txBody>
           <a:bodyPr wrap="square" lIns="0" tIns="0" rIns="0" bIns="0" rtlCol="0"/>
           <a:lstStyle/>
-          <a:p>
-            <a:endParaRPr/>
-          </a:p>
+          <a:p/>
         </p:txBody>
       </p:sp>
       <p:sp>
@@ -2973,9 +2859,7 @@
         <p:txBody>
           <a:bodyPr wrap="square" lIns="0" tIns="0" rIns="0" bIns="0" rtlCol="0"/>
           <a:lstStyle/>
-          <a:p>
-            <a:endParaRPr/>
-          </a:p>
+          <a:p/>
         </p:txBody>
       </p:sp>
       <p:sp>
@@ -3929,9 +3813,7 @@
         <p:txBody>
           <a:bodyPr wrap="square" lIns="0" tIns="0" rIns="0" bIns="0" rtlCol="0"/>
           <a:lstStyle/>
-          <a:p>
-            <a:endParaRPr/>
-          </a:p>
+          <a:p/>
         </p:txBody>
       </p:sp>
       <p:sp>
@@ -3958,9 +3840,7 @@
         <p:txBody>
           <a:bodyPr wrap="square" lIns="0" tIns="0" rIns="0" bIns="0" rtlCol="0"/>
           <a:lstStyle/>
-          <a:p>
-            <a:endParaRPr/>
-          </a:p>
+          <a:p/>
         </p:txBody>
       </p:sp>
       <p:sp>
@@ -3987,9 +3867,7 @@
         <p:txBody>
           <a:bodyPr wrap="square" lIns="0" tIns="0" rIns="0" bIns="0" rtlCol="0"/>
           <a:lstStyle/>
-          <a:p>
-            <a:endParaRPr/>
-          </a:p>
+          <a:p/>
         </p:txBody>
       </p:sp>
       <p:sp>
@@ -4016,9 +3894,7 @@
               </a:defRPr>
             </a:lvl1pPr>
           </a:lstStyle>
-          <a:p>
-            <a:endParaRPr/>
-          </a:p>
+          <a:p/>
         </p:txBody>
       </p:sp>
       <p:sp>
@@ -4048,7 +3924,6 @@
           <a:p>
             <a:fld id="{1D8BD707-D9CF-40AE-B4C6-C98DA3205C09}" type="datetimeFigureOut">
               <a:rPr lang="en-US"/>
-              <a:t>3/17/2019</a:t>
             </a:fld>
             <a:endParaRPr lang="en-US"/>
           </a:p>
@@ -4081,7 +3956,6 @@
           <a:p>
             <a:fld id="{B6F15528-21DE-4FAA-801E-634DDDAF4B2B}" type="slidenum">
               <a:rPr/>
-              <a:t>‹#›</a:t>
             </a:fld>
             <a:endParaRPr/>
           </a:p>
@@ -4275,9 +4149,7 @@
         <p:txBody>
           <a:bodyPr wrap="square" lIns="0" tIns="0" rIns="0" bIns="0" rtlCol="0"/>
           <a:lstStyle/>
-          <a:p>
-            <a:endParaRPr/>
-          </a:p>
+          <a:p/>
         </p:txBody>
       </p:sp>
       <p:sp>
@@ -4317,9 +4189,7 @@
         <p:txBody>
           <a:bodyPr wrap="square" lIns="0" tIns="0" rIns="0" bIns="0" rtlCol="0"/>
           <a:lstStyle/>
-          <a:p>
-            <a:endParaRPr/>
-          </a:p>
+          <a:p/>
         </p:txBody>
       </p:sp>
       <p:sp>
@@ -4337,7 +4207,7 @@
             <a:avLst/>
           </a:prstGeom>
           <a:blipFill>
-            <a:blip r:embed="rId7" cstate="print"/>
+            <a:blip r:embed="rId6" cstate="print"/>
             <a:stretch>
               <a:fillRect/>
             </a:stretch>
@@ -4346,9 +4216,7 @@
         <p:txBody>
           <a:bodyPr wrap="square" lIns="0" tIns="0" rIns="0" bIns="0" rtlCol="0"/>
           <a:lstStyle/>
-          <a:p>
-            <a:endParaRPr/>
-          </a:p>
+          <a:p/>
         </p:txBody>
       </p:sp>
       <p:sp>
@@ -4385,9 +4253,7 @@
               </a:defRPr>
             </a:lvl1pPr>
           </a:lstStyle>
-          <a:p>
-            <a:endParaRPr/>
-          </a:p>
+          <a:p/>
         </p:txBody>
       </p:sp>
       <p:sp>
@@ -4424,9 +4290,7 @@
               </a:defRPr>
             </a:lvl1pPr>
           </a:lstStyle>
-          <a:p>
-            <a:endParaRPr/>
-          </a:p>
+          <a:p/>
         </p:txBody>
       </p:sp>
       <p:sp>
@@ -4463,9 +4327,7 @@
               </a:defRPr>
             </a:lvl1pPr>
           </a:lstStyle>
-          <a:p>
-            <a:endParaRPr/>
-          </a:p>
+          <a:p/>
         </p:txBody>
       </p:sp>
       <p:sp>
@@ -4505,7 +4367,6 @@
           <a:p>
             <a:fld id="{1D8BD707-D9CF-40AE-B4C6-C98DA3205C09}" type="datetimeFigureOut">
               <a:rPr lang="en-US"/>
-              <a:t>3/17/2019</a:t>
             </a:fld>
             <a:endParaRPr lang="en-US"/>
           </a:p>
@@ -4548,7 +4409,6 @@
           <a:p>
             <a:fld id="{B6F15528-21DE-4FAA-801E-634DDDAF4B2B}" type="slidenum">
               <a:rPr/>
-              <a:t>‹#›</a:t>
             </a:fld>
             <a:endParaRPr/>
           </a:p>
@@ -4784,6 +4644,13 @@
               </a:rPr>
               <a:t>原理</a:t>
             </a:r>
+            <a:endParaRPr lang="zh-CN" altLang="en-US" sz="4800" dirty="0">
+              <a:solidFill>
+                <a:srgbClr val="FFC000"/>
+              </a:solidFill>
+              <a:latin typeface="微软雅黑" panose="020B0503020204020204" charset="-122"/>
+              <a:cs typeface="微软雅黑" panose="020B0503020204020204" charset="-122"/>
+            </a:endParaRPr>
           </a:p>
         </p:txBody>
       </p:sp>
@@ -4934,7 +4801,7 @@
         <p:spPr>
           <a:xfrm>
             <a:off x="941070" y="2942590"/>
-            <a:ext cx="7477760" cy="1384995"/>
+            <a:ext cx="7477760" cy="1383665"/>
           </a:xfrm>
           <a:prstGeom prst="rect">
             <a:avLst/>
@@ -4959,17 +4826,7 @@
                 <a:latin typeface="微软雅黑" panose="020B0503020204020204" charset="-122"/>
                 <a:ea typeface="微软雅黑" panose="020B0503020204020204" charset="-122"/>
               </a:rPr>
-              <a:t>问题解决</a:t>
-            </a:r>
-            <a:r>
-              <a:rPr lang="zh-CN" altLang="en-US" sz="2400" dirty="0" smtClean="0">
-                <a:solidFill>
-                  <a:srgbClr val="0070C0"/>
-                </a:solidFill>
-                <a:latin typeface="微软雅黑" panose="020B0503020204020204" charset="-122"/>
-                <a:ea typeface="微软雅黑" panose="020B0503020204020204" charset="-122"/>
-              </a:rPr>
-              <a:t>：</a:t>
+              <a:t>问题解决：</a:t>
             </a:r>
             <a:endParaRPr lang="en-US" altLang="zh-CN" sz="2400" dirty="0" smtClean="0">
               <a:solidFill>
@@ -5003,35 +4860,35 @@
             </a:r>
             <a:r>
               <a:rPr lang="zh-CN" altLang="en-US" dirty="0" smtClean="0">
-                <a:latin typeface="微软雅黑" panose="020B0503020204020204" pitchFamily="34" charset="-122"/>
-                <a:ea typeface="微软雅黑" panose="020B0503020204020204" pitchFamily="34" charset="-122"/>
+                <a:latin typeface="微软雅黑" panose="020B0503020204020204" charset="-122"/>
+                <a:ea typeface="微软雅黑" panose="020B0503020204020204" charset="-122"/>
               </a:rPr>
               <a:t>方案一：重新下载安装</a:t>
             </a:r>
             <a:r>
               <a:rPr lang="en-US" altLang="zh-CN" dirty="0" err="1" smtClean="0">
-                <a:latin typeface="微软雅黑" panose="020B0503020204020204" pitchFamily="34" charset="-122"/>
-                <a:ea typeface="微软雅黑" panose="020B0503020204020204" pitchFamily="34" charset="-122"/>
+                <a:latin typeface="微软雅黑" panose="020B0503020204020204" charset="-122"/>
+                <a:ea typeface="微软雅黑" panose="020B0503020204020204" charset="-122"/>
               </a:rPr>
               <a:t>nginx</a:t>
             </a:r>
             <a:r>
               <a:rPr lang="en-US" altLang="zh-CN" dirty="0" smtClean="0">
-                <a:latin typeface="微软雅黑" panose="020B0503020204020204" pitchFamily="34" charset="-122"/>
-                <a:ea typeface="微软雅黑" panose="020B0503020204020204" pitchFamily="34" charset="-122"/>
+                <a:latin typeface="微软雅黑" panose="020B0503020204020204" charset="-122"/>
+                <a:ea typeface="微软雅黑" panose="020B0503020204020204" charset="-122"/>
               </a:rPr>
               <a:t>;  </a:t>
             </a:r>
             <a:r>
               <a:rPr lang="zh-CN" altLang="en-US" dirty="0" smtClean="0">
-                <a:latin typeface="微软雅黑" panose="020B0503020204020204" pitchFamily="34" charset="-122"/>
-                <a:ea typeface="微软雅黑" panose="020B0503020204020204" pitchFamily="34" charset="-122"/>
+                <a:latin typeface="微软雅黑" panose="020B0503020204020204" charset="-122"/>
+                <a:ea typeface="微软雅黑" panose="020B0503020204020204" charset="-122"/>
               </a:rPr>
               <a:t>修改配置文件</a:t>
             </a:r>
             <a:endParaRPr lang="en-US" altLang="zh-CN" dirty="0" smtClean="0">
-              <a:latin typeface="微软雅黑" panose="020B0503020204020204" pitchFamily="34" charset="-122"/>
-              <a:ea typeface="微软雅黑" panose="020B0503020204020204" pitchFamily="34" charset="-122"/>
+              <a:latin typeface="微软雅黑" panose="020B0503020204020204" charset="-122"/>
+              <a:ea typeface="微软雅黑" panose="020B0503020204020204" charset="-122"/>
             </a:endParaRPr>
           </a:p>
           <a:p>
@@ -5041,38 +4898,33 @@
             </a:pPr>
             <a:r>
               <a:rPr lang="zh-CN" altLang="en-US" dirty="0" smtClean="0">
-                <a:latin typeface="微软雅黑" panose="020B0503020204020204" pitchFamily="34" charset="-122"/>
-                <a:ea typeface="微软雅黑" panose="020B0503020204020204" pitchFamily="34" charset="-122"/>
+                <a:latin typeface="微软雅黑" panose="020B0503020204020204" charset="-122"/>
+                <a:ea typeface="微软雅黑" panose="020B0503020204020204" charset="-122"/>
               </a:rPr>
               <a:t>     方案二</a:t>
             </a:r>
             <a:r>
               <a:rPr lang="en-US" altLang="zh-CN" dirty="0" smtClean="0">
-                <a:latin typeface="微软雅黑" panose="020B0503020204020204" pitchFamily="34" charset="-122"/>
-                <a:ea typeface="微软雅黑" panose="020B0503020204020204" pitchFamily="34" charset="-122"/>
+                <a:latin typeface="微软雅黑" panose="020B0503020204020204" charset="-122"/>
+                <a:ea typeface="微软雅黑" panose="020B0503020204020204" charset="-122"/>
               </a:rPr>
               <a:t>:  </a:t>
             </a:r>
             <a:r>
               <a:rPr lang="zh-CN" altLang="en-US" dirty="0" smtClean="0">
-                <a:latin typeface="微软雅黑" panose="020B0503020204020204" pitchFamily="34" charset="-122"/>
-                <a:ea typeface="微软雅黑" panose="020B0503020204020204" pitchFamily="34" charset="-122"/>
+                <a:latin typeface="微软雅黑" panose="020B0503020204020204" charset="-122"/>
+                <a:ea typeface="微软雅黑" panose="020B0503020204020204" charset="-122"/>
               </a:rPr>
               <a:t>一条指令搞定它</a:t>
             </a:r>
             <a:endParaRPr lang="zh-CN" altLang="en-US" dirty="0">
-              <a:latin typeface="微软雅黑" panose="020B0503020204020204" pitchFamily="34" charset="-122"/>
-              <a:ea typeface="微软雅黑" panose="020B0503020204020204" pitchFamily="34" charset="-122"/>
+              <a:latin typeface="微软雅黑" panose="020B0503020204020204" charset="-122"/>
+              <a:ea typeface="微软雅黑" panose="020B0503020204020204" charset="-122"/>
             </a:endParaRPr>
           </a:p>
         </p:txBody>
       </p:sp>
     </p:spTree>
-    <p:extLst>
-      <p:ext uri="{BB962C8B-B14F-4D97-AF65-F5344CB8AC3E}">
-        <p14:creationId xmlns:p14="http://schemas.microsoft.com/office/powerpoint/2010/main" val="1988949701"/>
-      </p:ext>
-    </p:extLst>
   </p:cSld>
   <p:clrMapOvr>
     <a:masterClrMapping/>
@@ -5111,7 +4963,7 @@
                                           </p:stCondLst>
                                         </p:cTn>
                                         <p:tgtEl>
-                                          <p:spTgt spid="5"/>
+                                          <p:spTgt spid="7"/>
                                         </p:tgtEl>
                                         <p:attrNameLst>
                                           <p:attrName>style.visibility</p:attrName>
@@ -5124,97 +4976,6 @@
                                     <p:anim calcmode="lin" valueType="num">
                                       <p:cBhvr additive="base">
                                         <p:cTn id="7" dur="500" fill="hold"/>
-                                        <p:tgtEl>
-                                          <p:spTgt spid="5"/>
-                                        </p:tgtEl>
-                                        <p:attrNameLst>
-                                          <p:attrName>ppt_x</p:attrName>
-                                        </p:attrNameLst>
-                                      </p:cBhvr>
-                                      <p:tavLst>
-                                        <p:tav tm="0">
-                                          <p:val>
-                                            <p:strVal val="#ppt_x"/>
-                                          </p:val>
-                                        </p:tav>
-                                        <p:tav tm="100000">
-                                          <p:val>
-                                            <p:strVal val="#ppt_x"/>
-                                          </p:val>
-                                        </p:tav>
-                                      </p:tavLst>
-                                    </p:anim>
-                                    <p:anim calcmode="lin" valueType="num">
-                                      <p:cBhvr additive="base">
-                                        <p:cTn id="8" dur="500" fill="hold"/>
-                                        <p:tgtEl>
-                                          <p:spTgt spid="5"/>
-                                        </p:tgtEl>
-                                        <p:attrNameLst>
-                                          <p:attrName>ppt_y</p:attrName>
-                                        </p:attrNameLst>
-                                      </p:cBhvr>
-                                      <p:tavLst>
-                                        <p:tav tm="0">
-                                          <p:val>
-                                            <p:strVal val="1+#ppt_h/2"/>
-                                          </p:val>
-                                        </p:tav>
-                                        <p:tav tm="100000">
-                                          <p:val>
-                                            <p:strVal val="#ppt_y"/>
-                                          </p:val>
-                                        </p:tav>
-                                      </p:tavLst>
-                                    </p:anim>
-                                  </p:childTnLst>
-                                </p:cTn>
-                              </p:par>
-                            </p:childTnLst>
-                          </p:cTn>
-                        </p:par>
-                      </p:childTnLst>
-                    </p:cTn>
-                  </p:par>
-                  <p:par>
-                    <p:cTn id="9" fill="hold">
-                      <p:stCondLst>
-                        <p:cond delay="indefinite"/>
-                      </p:stCondLst>
-                      <p:childTnLst>
-                        <p:par>
-                          <p:cTn id="10" fill="hold">
-                            <p:stCondLst>
-                              <p:cond delay="0"/>
-                            </p:stCondLst>
-                            <p:childTnLst>
-                              <p:par>
-                                <p:cTn id="11" presetID="2" presetClass="entr" presetSubtype="4" fill="hold" grpId="0" nodeType="clickEffect">
-                                  <p:stCondLst>
-                                    <p:cond delay="0"/>
-                                  </p:stCondLst>
-                                  <p:childTnLst>
-                                    <p:set>
-                                      <p:cBhvr>
-                                        <p:cTn id="12" dur="1" fill="hold">
-                                          <p:stCondLst>
-                                            <p:cond delay="0"/>
-                                          </p:stCondLst>
-                                        </p:cTn>
-                                        <p:tgtEl>
-                                          <p:spTgt spid="7"/>
-                                        </p:tgtEl>
-                                        <p:attrNameLst>
-                                          <p:attrName>style.visibility</p:attrName>
-                                        </p:attrNameLst>
-                                      </p:cBhvr>
-                                      <p:to>
-                                        <p:strVal val="visible"/>
-                                      </p:to>
-                                    </p:set>
-                                    <p:anim calcmode="lin" valueType="num">
-                                      <p:cBhvr additive="base">
-                                        <p:cTn id="13" dur="500" fill="hold"/>
                                         <p:tgtEl>
                                           <p:spTgt spid="7"/>
                                         </p:tgtEl>
@@ -5237,7 +4998,7 @@
                                     </p:anim>
                                     <p:anim calcmode="lin" valueType="num">
                                       <p:cBhvr additive="base">
-                                        <p:cTn id="14" dur="500" fill="hold"/>
+                                        <p:cTn id="8" dur="500" fill="hold"/>
                                         <p:tgtEl>
                                           <p:spTgt spid="7"/>
                                         </p:tgtEl>
@@ -5289,7 +5050,6 @@
       </p:par>
     </p:tnLst>
     <p:bldLst>
-      <p:bldP spid="5" grpId="0"/>
       <p:bldP spid="7" grpId="0"/>
     </p:bldLst>
   </p:timing>
@@ -5350,6 +5110,7 @@
               <a:rPr lang="zh-CN" altLang="en-US" spc="-15" dirty="0"/>
               <a:t>指令初识</a:t>
             </a:r>
+            <a:endParaRPr lang="zh-CN" altLang="en-US" spc="-15" dirty="0"/>
           </a:p>
         </p:txBody>
       </p:sp>
@@ -5389,6 +5150,13 @@
               </a:rPr>
               <a:t>常见指令集：</a:t>
             </a:r>
+            <a:endParaRPr lang="zh-CN" altLang="en-US" sz="2400" dirty="0">
+              <a:solidFill>
+                <a:srgbClr val="0070C0"/>
+              </a:solidFill>
+              <a:latin typeface="微软雅黑" panose="020B0503020204020204" charset="-122"/>
+              <a:ea typeface="微软雅黑" panose="020B0503020204020204" charset="-122"/>
+            </a:endParaRPr>
           </a:p>
           <a:p>
             <a:pPr indent="0">
@@ -5406,6 +5174,10 @@
               </a:rPr>
               <a:t>  sudo salt-call state.sls qunardev.flight_tts.nginx.nginx_tengine</a:t>
             </a:r>
+            <a:endParaRPr lang="zh-CN" altLang="en-US" dirty="0">
+              <a:latin typeface="微软雅黑" panose="020B0503020204020204" charset="-122"/>
+              <a:ea typeface="微软雅黑" panose="020B0503020204020204" charset="-122"/>
+            </a:endParaRPr>
           </a:p>
           <a:p>
             <a:pPr indent="0">
@@ -5419,6 +5191,10 @@
               </a:rPr>
               <a:t>     sudo salt-call state.sls qunardev.noah.tools.java_8u60</a:t>
             </a:r>
+            <a:endParaRPr lang="zh-CN" altLang="en-US" dirty="0">
+              <a:latin typeface="微软雅黑" panose="020B0503020204020204" charset="-122"/>
+              <a:ea typeface="微软雅黑" panose="020B0503020204020204" charset="-122"/>
+            </a:endParaRPr>
           </a:p>
           <a:p>
             <a:pPr indent="0">
@@ -5432,6 +5208,10 @@
               </a:rPr>
               <a:t>      ......</a:t>
             </a:r>
+            <a:endParaRPr lang="en-US" altLang="zh-CN" dirty="0">
+              <a:latin typeface="微软雅黑" panose="020B0503020204020204" charset="-122"/>
+              <a:ea typeface="微软雅黑" panose="020B0503020204020204" charset="-122"/>
+            </a:endParaRPr>
           </a:p>
         </p:txBody>
       </p:sp>
@@ -5471,6 +5251,13 @@
               </a:rPr>
               <a:t>问题思考：</a:t>
             </a:r>
+            <a:endParaRPr lang="zh-CN" altLang="en-US" sz="2400" dirty="0">
+              <a:solidFill>
+                <a:srgbClr val="0070C0"/>
+              </a:solidFill>
+              <a:latin typeface="微软雅黑" panose="020B0503020204020204" charset="-122"/>
+              <a:ea typeface="微软雅黑" panose="020B0503020204020204" charset="-122"/>
+            </a:endParaRPr>
           </a:p>
           <a:p>
             <a:pPr indent="0">
@@ -5495,6 +5282,10 @@
               </a:rPr>
               <a:t>这两个语句是干什么的？</a:t>
             </a:r>
+            <a:endParaRPr lang="zh-CN" altLang="en-US" dirty="0">
+              <a:latin typeface="微软雅黑" panose="020B0503020204020204" charset="-122"/>
+              <a:ea typeface="微软雅黑" panose="020B0503020204020204" charset="-122"/>
+            </a:endParaRPr>
           </a:p>
           <a:p>
             <a:pPr indent="0">
@@ -5522,6 +5313,10 @@
               </a:rPr>
               <a:t>这两个语句所指的幕后代码在哪里？</a:t>
             </a:r>
+            <a:endParaRPr lang="zh-CN" altLang="en-US" dirty="0">
+              <a:latin typeface="微软雅黑" panose="020B0503020204020204" charset="-122"/>
+              <a:ea typeface="微软雅黑" panose="020B0503020204020204" charset="-122"/>
+            </a:endParaRPr>
           </a:p>
           <a:p>
             <a:pPr indent="0">
@@ -5549,6 +5344,10 @@
               </a:rPr>
               <a:t>指令之后，是谁做了什么？</a:t>
             </a:r>
+            <a:endParaRPr lang="zh-CN" altLang="en-US" dirty="0">
+              <a:latin typeface="微软雅黑" panose="020B0503020204020204" charset="-122"/>
+              <a:ea typeface="微软雅黑" panose="020B0503020204020204" charset="-122"/>
+            </a:endParaRPr>
           </a:p>
         </p:txBody>
       </p:sp>
@@ -5742,6 +5541,7 @@
               <a:rPr lang="zh-CN" altLang="en-US" spc="-15" dirty="0"/>
               <a:t>简介</a:t>
             </a:r>
+            <a:endParaRPr lang="zh-CN" altLang="en-US" spc="-15" dirty="0"/>
           </a:p>
         </p:txBody>
       </p:sp>
@@ -5891,22 +5691,22 @@
           <a:p>
             <a:r>
               <a:rPr lang="en-US" altLang="zh-CN" dirty="0" err="1" smtClean="0">
-                <a:latin typeface="微软雅黑" panose="020B0503020204020204" pitchFamily="34" charset="-122"/>
-                <a:ea typeface="微软雅黑" panose="020B0503020204020204" pitchFamily="34" charset="-122"/>
+                <a:latin typeface="微软雅黑" panose="020B0503020204020204" charset="-122"/>
+                <a:ea typeface="微软雅黑" panose="020B0503020204020204" charset="-122"/>
               </a:rPr>
               <a:t>SaltStack</a:t>
             </a:r>
             <a:r>
               <a:rPr lang="en-US" altLang="zh-CN" dirty="0" smtClean="0">
-                <a:latin typeface="微软雅黑" panose="020B0503020204020204" pitchFamily="34" charset="-122"/>
-                <a:ea typeface="微软雅黑" panose="020B0503020204020204" pitchFamily="34" charset="-122"/>
+                <a:latin typeface="微软雅黑" panose="020B0503020204020204" charset="-122"/>
+                <a:ea typeface="微软雅黑" panose="020B0503020204020204" charset="-122"/>
               </a:rPr>
               <a:t> </a:t>
             </a:r>
             <a:r>
               <a:rPr lang="zh-CN" altLang="en-US" dirty="0" smtClean="0">
-                <a:latin typeface="微软雅黑" panose="020B0503020204020204" pitchFamily="34" charset="-122"/>
-                <a:ea typeface="微软雅黑" panose="020B0503020204020204" pitchFamily="34" charset="-122"/>
+                <a:latin typeface="微软雅黑" panose="020B0503020204020204" charset="-122"/>
+                <a:ea typeface="微软雅黑" panose="020B0503020204020204" charset="-122"/>
               </a:rPr>
               <a:t>是一种基于</a:t>
             </a:r>
@@ -5915,8 +5715,8 @@
                 <a:solidFill>
                   <a:srgbClr val="FF0000"/>
                 </a:solidFill>
-                <a:latin typeface="微软雅黑" panose="020B0503020204020204" pitchFamily="34" charset="-122"/>
-                <a:ea typeface="微软雅黑" panose="020B0503020204020204" pitchFamily="34" charset="-122"/>
+                <a:latin typeface="微软雅黑" panose="020B0503020204020204" charset="-122"/>
+                <a:ea typeface="微软雅黑" panose="020B0503020204020204" charset="-122"/>
               </a:rPr>
               <a:t> </a:t>
             </a:r>
@@ -5925,8 +5725,8 @@
                 <a:solidFill>
                   <a:srgbClr val="FF0000"/>
                 </a:solidFill>
-                <a:latin typeface="微软雅黑" panose="020B0503020204020204" pitchFamily="34" charset="-122"/>
-                <a:ea typeface="微软雅黑" panose="020B0503020204020204" pitchFamily="34" charset="-122"/>
+                <a:latin typeface="微软雅黑" panose="020B0503020204020204" charset="-122"/>
+                <a:ea typeface="微软雅黑" panose="020B0503020204020204" charset="-122"/>
               </a:rPr>
               <a:t>C/S </a:t>
             </a:r>
@@ -5935,15 +5735,15 @@
                 <a:solidFill>
                   <a:srgbClr val="FF0000"/>
                 </a:solidFill>
-                <a:latin typeface="微软雅黑" panose="020B0503020204020204" pitchFamily="34" charset="-122"/>
-                <a:ea typeface="微软雅黑" panose="020B0503020204020204" pitchFamily="34" charset="-122"/>
+                <a:latin typeface="微软雅黑" panose="020B0503020204020204" charset="-122"/>
+                <a:ea typeface="微软雅黑" panose="020B0503020204020204" charset="-122"/>
               </a:rPr>
               <a:t>架构</a:t>
             </a:r>
             <a:r>
               <a:rPr lang="zh-CN" altLang="en-US" dirty="0" smtClean="0">
-                <a:latin typeface="微软雅黑" panose="020B0503020204020204" pitchFamily="34" charset="-122"/>
-                <a:ea typeface="微软雅黑" panose="020B0503020204020204" pitchFamily="34" charset="-122"/>
+                <a:latin typeface="微软雅黑" panose="020B0503020204020204" charset="-122"/>
+                <a:ea typeface="微软雅黑" panose="020B0503020204020204" charset="-122"/>
               </a:rPr>
               <a:t>的服务器基础架构</a:t>
             </a:r>
@@ -5952,49 +5752,49 @@
                 <a:solidFill>
                   <a:srgbClr val="FF0000"/>
                 </a:solidFill>
-                <a:latin typeface="微软雅黑" panose="020B0503020204020204" pitchFamily="34" charset="-122"/>
-                <a:ea typeface="微软雅黑" panose="020B0503020204020204" pitchFamily="34" charset="-122"/>
+                <a:latin typeface="微软雅黑" panose="020B0503020204020204" charset="-122"/>
+                <a:ea typeface="微软雅黑" panose="020B0503020204020204" charset="-122"/>
               </a:rPr>
               <a:t>集中化管理平台</a:t>
             </a:r>
             <a:r>
               <a:rPr lang="zh-CN" altLang="en-US" dirty="0" smtClean="0">
-                <a:latin typeface="微软雅黑" panose="020B0503020204020204" pitchFamily="34" charset="-122"/>
-                <a:ea typeface="微软雅黑" panose="020B0503020204020204" pitchFamily="34" charset="-122"/>
+                <a:latin typeface="微软雅黑" panose="020B0503020204020204" charset="-122"/>
+                <a:ea typeface="微软雅黑" panose="020B0503020204020204" charset="-122"/>
               </a:rPr>
               <a:t>，管理端称为 </a:t>
             </a:r>
             <a:r>
               <a:rPr lang="en-US" altLang="zh-CN" dirty="0" smtClean="0">
-                <a:latin typeface="微软雅黑" panose="020B0503020204020204" pitchFamily="34" charset="-122"/>
-                <a:ea typeface="微软雅黑" panose="020B0503020204020204" pitchFamily="34" charset="-122"/>
+                <a:latin typeface="微软雅黑" panose="020B0503020204020204" charset="-122"/>
+                <a:ea typeface="微软雅黑" panose="020B0503020204020204" charset="-122"/>
               </a:rPr>
               <a:t>Master</a:t>
             </a:r>
             <a:r>
               <a:rPr lang="zh-CN" altLang="en-US" dirty="0" smtClean="0">
-                <a:latin typeface="微软雅黑" panose="020B0503020204020204" pitchFamily="34" charset="-122"/>
-                <a:ea typeface="微软雅黑" panose="020B0503020204020204" pitchFamily="34" charset="-122"/>
+                <a:latin typeface="微软雅黑" panose="020B0503020204020204" charset="-122"/>
+                <a:ea typeface="微软雅黑" panose="020B0503020204020204" charset="-122"/>
               </a:rPr>
               <a:t>，客户端称为 </a:t>
             </a:r>
             <a:r>
               <a:rPr lang="en-US" altLang="zh-CN" dirty="0" smtClean="0">
-                <a:latin typeface="微软雅黑" panose="020B0503020204020204" pitchFamily="34" charset="-122"/>
-                <a:ea typeface="微软雅黑" panose="020B0503020204020204" pitchFamily="34" charset="-122"/>
+                <a:latin typeface="微软雅黑" panose="020B0503020204020204" charset="-122"/>
+                <a:ea typeface="微软雅黑" panose="020B0503020204020204" charset="-122"/>
               </a:rPr>
               <a:t>Minion</a:t>
             </a:r>
             <a:r>
               <a:rPr lang="zh-CN" altLang="en-US" dirty="0" smtClean="0">
-                <a:latin typeface="微软雅黑" panose="020B0503020204020204" pitchFamily="34" charset="-122"/>
-                <a:ea typeface="微软雅黑" panose="020B0503020204020204" pitchFamily="34" charset="-122"/>
+                <a:latin typeface="微软雅黑" panose="020B0503020204020204" charset="-122"/>
+                <a:ea typeface="微软雅黑" panose="020B0503020204020204" charset="-122"/>
               </a:rPr>
               <a:t>。</a:t>
             </a:r>
             <a:endParaRPr lang="zh-CN" altLang="en-US" dirty="0">
-              <a:latin typeface="微软雅黑" panose="020B0503020204020204" pitchFamily="34" charset="-122"/>
-              <a:ea typeface="微软雅黑" panose="020B0503020204020204" pitchFamily="34" charset="-122"/>
+              <a:latin typeface="微软雅黑" panose="020B0503020204020204" charset="-122"/>
+              <a:ea typeface="微软雅黑" panose="020B0503020204020204" charset="-122"/>
             </a:endParaRPr>
           </a:p>
         </p:txBody>
@@ -6042,7 +5842,7 @@
                 </a:solidFill>
                 <a:latin typeface="微软雅黑" panose="020B0503020204020204" charset="-122"/>
                 <a:ea typeface="微软雅黑" panose="020B0503020204020204" charset="-122"/>
-                <a:hlinkClick r:id="rId3"/>
+                <a:hlinkClick r:id="rId1"/>
               </a:rPr>
               <a:t>https://www.jianshu.com/p/624b9cf51c64</a:t>
             </a:r>
@@ -6065,7 +5865,7 @@
           <p:nvPr/>
         </p:nvPicPr>
         <p:blipFill>
-          <a:blip r:embed="rId4"/>
+          <a:blip r:embed="rId2"/>
           <a:stretch>
             <a:fillRect/>
           </a:stretch>
@@ -6153,6 +5953,7 @@
               <a:rPr lang="zh-CN" altLang="en-US" spc="-15" dirty="0"/>
               <a:t>简介</a:t>
             </a:r>
+            <a:endParaRPr lang="zh-CN" altLang="en-US" spc="-15" dirty="0"/>
           </a:p>
         </p:txBody>
       </p:sp>
@@ -6231,7 +6032,7 @@
           <p:nvPr/>
         </p:nvPicPr>
         <p:blipFill>
-          <a:blip r:embed="rId3"/>
+          <a:blip r:embed="rId1"/>
           <a:stretch>
             <a:fillRect/>
           </a:stretch>
@@ -6274,21 +6075,21 @@
             </a:pPr>
             <a:r>
               <a:rPr lang="en-US" altLang="zh-CN" sz="2000" dirty="0" smtClean="0">
-                <a:latin typeface="微软雅黑" panose="020B0503020204020204" pitchFamily="34" charset="-122"/>
-                <a:ea typeface="微软雅黑" panose="020B0503020204020204" pitchFamily="34" charset="-122"/>
+                <a:latin typeface="微软雅黑" panose="020B0503020204020204" charset="-122"/>
+                <a:ea typeface="微软雅黑" panose="020B0503020204020204" charset="-122"/>
               </a:rPr>
               <a:t>Master</a:t>
             </a:r>
             <a:r>
               <a:rPr lang="zh-CN" altLang="en-US" sz="2000" dirty="0" smtClean="0">
-                <a:latin typeface="微软雅黑" panose="020B0503020204020204" pitchFamily="34" charset="-122"/>
-                <a:ea typeface="微软雅黑" panose="020B0503020204020204" pitchFamily="34" charset="-122"/>
+                <a:latin typeface="微软雅黑" panose="020B0503020204020204" charset="-122"/>
+                <a:ea typeface="微软雅黑" panose="020B0503020204020204" charset="-122"/>
               </a:rPr>
               <a:t>文件下发</a:t>
             </a:r>
             <a:endParaRPr lang="en-US" altLang="zh-CN" sz="2000" dirty="0" smtClean="0">
-              <a:latin typeface="微软雅黑" panose="020B0503020204020204" pitchFamily="34" charset="-122"/>
-              <a:ea typeface="微软雅黑" panose="020B0503020204020204" pitchFamily="34" charset="-122"/>
+              <a:latin typeface="微软雅黑" panose="020B0503020204020204" charset="-122"/>
+              <a:ea typeface="微软雅黑" panose="020B0503020204020204" charset="-122"/>
             </a:endParaRPr>
           </a:p>
           <a:p>
@@ -6297,8 +6098,8 @@
               <a:buAutoNum type="arabicPeriod"/>
             </a:pPr>
             <a:endParaRPr lang="en-US" altLang="zh-CN" sz="2000" dirty="0" smtClean="0">
-              <a:latin typeface="微软雅黑" panose="020B0503020204020204" pitchFamily="34" charset="-122"/>
-              <a:ea typeface="微软雅黑" panose="020B0503020204020204" pitchFamily="34" charset="-122"/>
+              <a:latin typeface="微软雅黑" panose="020B0503020204020204" charset="-122"/>
+              <a:ea typeface="微软雅黑" panose="020B0503020204020204" charset="-122"/>
             </a:endParaRPr>
           </a:p>
           <a:p>
@@ -6308,21 +6109,21 @@
             </a:pPr>
             <a:r>
               <a:rPr lang="en-US" altLang="zh-CN" sz="2000" dirty="0" smtClean="0">
-                <a:latin typeface="微软雅黑" panose="020B0503020204020204" pitchFamily="34" charset="-122"/>
-                <a:ea typeface="微软雅黑" panose="020B0503020204020204" pitchFamily="34" charset="-122"/>
+                <a:latin typeface="微软雅黑" panose="020B0503020204020204" charset="-122"/>
+                <a:ea typeface="微软雅黑" panose="020B0503020204020204" charset="-122"/>
               </a:rPr>
               <a:t>Minion</a:t>
             </a:r>
             <a:r>
               <a:rPr lang="zh-CN" altLang="en-US" sz="2000" dirty="0" smtClean="0">
-                <a:latin typeface="微软雅黑" panose="020B0503020204020204" pitchFamily="34" charset="-122"/>
-                <a:ea typeface="微软雅黑" panose="020B0503020204020204" pitchFamily="34" charset="-122"/>
+                <a:latin typeface="微软雅黑" panose="020B0503020204020204" charset="-122"/>
+                <a:ea typeface="微软雅黑" panose="020B0503020204020204" charset="-122"/>
               </a:rPr>
               <a:t>文件拉取</a:t>
             </a:r>
             <a:endParaRPr lang="zh-CN" altLang="en-US" sz="2000" dirty="0">
-              <a:latin typeface="微软雅黑" panose="020B0503020204020204" pitchFamily="34" charset="-122"/>
-              <a:ea typeface="微软雅黑" panose="020B0503020204020204" pitchFamily="34" charset="-122"/>
+              <a:latin typeface="微软雅黑" panose="020B0503020204020204" charset="-122"/>
+              <a:ea typeface="微软雅黑" panose="020B0503020204020204" charset="-122"/>
             </a:endParaRPr>
           </a:p>
         </p:txBody>
@@ -6336,7 +6137,7 @@
           <p:nvPr/>
         </p:nvPicPr>
         <p:blipFill>
-          <a:blip r:embed="rId4"/>
+          <a:blip r:embed="rId2"/>
           <a:stretch>
             <a:fillRect/>
           </a:stretch>
@@ -6352,11 +6153,6 @@
         </p:spPr>
       </p:pic>
     </p:spTree>
-    <p:extLst>
-      <p:ext uri="{BB962C8B-B14F-4D97-AF65-F5344CB8AC3E}">
-        <p14:creationId xmlns:p14="http://schemas.microsoft.com/office/powerpoint/2010/main" val="1958103489"/>
-      </p:ext>
-    </p:extLst>
   </p:cSld>
   <p:clrMapOvr>
     <a:masterClrMapping/>
@@ -6446,7 +6242,7 @@
           <p:nvPr/>
         </p:nvPicPr>
         <p:blipFill>
-          <a:blip r:embed="rId3"/>
+          <a:blip r:embed="rId1"/>
           <a:stretch>
             <a:fillRect/>
           </a:stretch>
@@ -6535,17 +6331,7 @@
                 <a:latin typeface="微软雅黑" panose="020B0503020204020204" charset="-122"/>
                 <a:ea typeface="微软雅黑" panose="020B0503020204020204" charset="-122"/>
               </a:rPr>
-              <a:t>原理</a:t>
-            </a:r>
-            <a:r>
-              <a:rPr lang="zh-CN" altLang="en-US" sz="2400" dirty="0" smtClean="0">
-                <a:solidFill>
-                  <a:srgbClr val="0070C0"/>
-                </a:solidFill>
-                <a:latin typeface="微软雅黑" panose="020B0503020204020204" charset="-122"/>
-                <a:ea typeface="微软雅黑" panose="020B0503020204020204" charset="-122"/>
-              </a:rPr>
-              <a:t>：</a:t>
+              <a:t>原理：</a:t>
             </a:r>
             <a:endParaRPr lang="zh-CN" altLang="en-US" sz="2400" dirty="0">
               <a:solidFill>
@@ -6662,7 +6448,7 @@
           <p:nvPr/>
         </p:nvPicPr>
         <p:blipFill>
-          <a:blip r:embed="rId4"/>
+          <a:blip r:embed="rId2"/>
           <a:stretch>
             <a:fillRect/>
           </a:stretch>
@@ -6705,35 +6491,35 @@
             </a:pPr>
             <a:r>
               <a:rPr lang="zh-CN" altLang="en-US" sz="2000" dirty="0" smtClean="0">
-                <a:latin typeface="微软雅黑" panose="020B0503020204020204" pitchFamily="34" charset="-122"/>
-                <a:ea typeface="微软雅黑" panose="020B0503020204020204" pitchFamily="34" charset="-122"/>
+                <a:latin typeface="微软雅黑" panose="020B0503020204020204" charset="-122"/>
+                <a:ea typeface="微软雅黑" panose="020B0503020204020204" charset="-122"/>
               </a:rPr>
               <a:t>本地</a:t>
             </a:r>
             <a:r>
               <a:rPr lang="en-US" altLang="zh-CN" sz="2000" dirty="0" err="1" smtClean="0">
-                <a:latin typeface="微软雅黑" panose="020B0503020204020204" pitchFamily="34" charset="-122"/>
-                <a:ea typeface="微软雅黑" panose="020B0503020204020204" pitchFamily="34" charset="-122"/>
+                <a:latin typeface="微软雅黑" panose="020B0503020204020204" charset="-122"/>
+                <a:ea typeface="微软雅黑" panose="020B0503020204020204" charset="-122"/>
               </a:rPr>
               <a:t>git</a:t>
             </a:r>
             <a:r>
               <a:rPr lang="en-US" altLang="zh-CN" sz="2000" dirty="0" smtClean="0">
-                <a:latin typeface="微软雅黑" panose="020B0503020204020204" pitchFamily="34" charset="-122"/>
-                <a:ea typeface="微软雅黑" panose="020B0503020204020204" pitchFamily="34" charset="-122"/>
+                <a:latin typeface="微软雅黑" panose="020B0503020204020204" charset="-122"/>
+                <a:ea typeface="微软雅黑" panose="020B0503020204020204" charset="-122"/>
               </a:rPr>
               <a:t>-commit </a:t>
             </a:r>
             <a:r>
               <a:rPr lang="zh-CN" altLang="en-US" sz="2000" dirty="0" smtClean="0">
-                <a:latin typeface="微软雅黑" panose="020B0503020204020204" pitchFamily="34" charset="-122"/>
-                <a:ea typeface="微软雅黑" panose="020B0503020204020204" pitchFamily="34" charset="-122"/>
+                <a:latin typeface="微软雅黑" panose="020B0503020204020204" charset="-122"/>
+                <a:ea typeface="微软雅黑" panose="020B0503020204020204" charset="-122"/>
               </a:rPr>
               <a:t>同步</a:t>
             </a:r>
             <a:endParaRPr lang="en-US" altLang="zh-CN" sz="2000" dirty="0" smtClean="0">
-              <a:latin typeface="微软雅黑" panose="020B0503020204020204" pitchFamily="34" charset="-122"/>
-              <a:ea typeface="微软雅黑" panose="020B0503020204020204" pitchFamily="34" charset="-122"/>
+              <a:latin typeface="微软雅黑" panose="020B0503020204020204" charset="-122"/>
+              <a:ea typeface="微软雅黑" panose="020B0503020204020204" charset="-122"/>
             </a:endParaRPr>
           </a:p>
           <a:p>
@@ -6742,8 +6528,8 @@
               <a:buAutoNum type="arabicPeriod"/>
             </a:pPr>
             <a:endParaRPr lang="en-US" altLang="zh-CN" sz="2000" dirty="0" smtClean="0">
-              <a:latin typeface="微软雅黑" panose="020B0503020204020204" pitchFamily="34" charset="-122"/>
-              <a:ea typeface="微软雅黑" panose="020B0503020204020204" pitchFamily="34" charset="-122"/>
+              <a:latin typeface="微软雅黑" panose="020B0503020204020204" charset="-122"/>
+              <a:ea typeface="微软雅黑" panose="020B0503020204020204" charset="-122"/>
             </a:endParaRPr>
           </a:p>
           <a:p>
@@ -6753,52 +6539,47 @@
             </a:pPr>
             <a:r>
               <a:rPr lang="zh-CN" altLang="en-US" sz="2000" dirty="0">
-                <a:latin typeface="微软雅黑" panose="020B0503020204020204" pitchFamily="34" charset="-122"/>
-                <a:ea typeface="微软雅黑" panose="020B0503020204020204" pitchFamily="34" charset="-122"/>
+                <a:latin typeface="微软雅黑" panose="020B0503020204020204" charset="-122"/>
+                <a:ea typeface="微软雅黑" panose="020B0503020204020204" charset="-122"/>
               </a:rPr>
               <a:t>远</a:t>
             </a:r>
             <a:r>
               <a:rPr lang="zh-CN" altLang="en-US" sz="2000" dirty="0" smtClean="0">
-                <a:latin typeface="微软雅黑" panose="020B0503020204020204" pitchFamily="34" charset="-122"/>
-                <a:ea typeface="微软雅黑" panose="020B0503020204020204" pitchFamily="34" charset="-122"/>
+                <a:latin typeface="微软雅黑" panose="020B0503020204020204" charset="-122"/>
+                <a:ea typeface="微软雅黑" panose="020B0503020204020204" charset="-122"/>
               </a:rPr>
               <a:t>端</a:t>
             </a:r>
             <a:r>
               <a:rPr lang="en-US" altLang="zh-CN" sz="2000" dirty="0" err="1" smtClean="0">
-                <a:latin typeface="微软雅黑" panose="020B0503020204020204" pitchFamily="34" charset="-122"/>
-                <a:ea typeface="微软雅黑" panose="020B0503020204020204" pitchFamily="34" charset="-122"/>
+                <a:latin typeface="微软雅黑" panose="020B0503020204020204" charset="-122"/>
+                <a:ea typeface="微软雅黑" panose="020B0503020204020204" charset="-122"/>
               </a:rPr>
               <a:t>git</a:t>
             </a:r>
             <a:r>
               <a:rPr lang="en-US" altLang="zh-CN" sz="2000" dirty="0" smtClean="0">
-                <a:latin typeface="微软雅黑" panose="020B0503020204020204" pitchFamily="34" charset="-122"/>
-                <a:ea typeface="微软雅黑" panose="020B0503020204020204" pitchFamily="34" charset="-122"/>
+                <a:latin typeface="微软雅黑" panose="020B0503020204020204" charset="-122"/>
+                <a:ea typeface="微软雅黑" panose="020B0503020204020204" charset="-122"/>
               </a:rPr>
               <a:t>-push </a:t>
             </a:r>
             <a:r>
               <a:rPr lang="zh-CN" altLang="en-US" sz="2000" dirty="0" smtClean="0">
-                <a:latin typeface="微软雅黑" panose="020B0503020204020204" pitchFamily="34" charset="-122"/>
-                <a:ea typeface="微软雅黑" panose="020B0503020204020204" pitchFamily="34" charset="-122"/>
+                <a:latin typeface="微软雅黑" panose="020B0503020204020204" charset="-122"/>
+                <a:ea typeface="微软雅黑" panose="020B0503020204020204" charset="-122"/>
               </a:rPr>
               <a:t>同步</a:t>
             </a:r>
             <a:endParaRPr lang="zh-CN" altLang="en-US" sz="2000" dirty="0">
-              <a:latin typeface="微软雅黑" panose="020B0503020204020204" pitchFamily="34" charset="-122"/>
-              <a:ea typeface="微软雅黑" panose="020B0503020204020204" pitchFamily="34" charset="-122"/>
+              <a:latin typeface="微软雅黑" panose="020B0503020204020204" charset="-122"/>
+              <a:ea typeface="微软雅黑" panose="020B0503020204020204" charset="-122"/>
             </a:endParaRPr>
           </a:p>
         </p:txBody>
       </p:sp>
     </p:spTree>
-    <p:extLst>
-      <p:ext uri="{BB962C8B-B14F-4D97-AF65-F5344CB8AC3E}">
-        <p14:creationId xmlns:p14="http://schemas.microsoft.com/office/powerpoint/2010/main" val="3601428306"/>
-      </p:ext>
-    </p:extLst>
   </p:cSld>
   <p:clrMapOvr>
     <a:masterClrMapping/>
@@ -6886,9 +6667,7 @@
       <p:sp>
         <p:nvSpPr>
           <p:cNvPr id="8" name="object 2"/>
-          <p:cNvSpPr txBox="1">
-            <a:spLocks/>
-          </p:cNvSpPr>
+          <p:cNvSpPr txBox="1"/>
           <p:nvPr/>
         </p:nvSpPr>
         <p:spPr>
@@ -6989,7 +6768,7 @@
                 </a:solidFill>
                 <a:latin typeface="微软雅黑" panose="020B0503020204020204" charset="-122"/>
                 <a:ea typeface="微软雅黑" panose="020B0503020204020204" charset="-122"/>
-                <a:hlinkClick r:id="rId3"/>
+                <a:hlinkClick r:id="rId1"/>
               </a:rPr>
               <a:t>http://gitlab.corp.qunar.com/salt/flight_tts</a:t>
             </a:r>
@@ -7004,11 +6783,6 @@
         </p:txBody>
       </p:sp>
     </p:spTree>
-    <p:extLst>
-      <p:ext uri="{BB962C8B-B14F-4D97-AF65-F5344CB8AC3E}">
-        <p14:creationId xmlns:p14="http://schemas.microsoft.com/office/powerpoint/2010/main" val="1454491243"/>
-      </p:ext>
-    </p:extLst>
   </p:cSld>
   <p:clrMapOvr>
     <a:masterClrMapping/>
@@ -7139,6 +6913,11 @@
               </a:rPr>
               <a:t>Q&amp;A</a:t>
             </a:r>
+            <a:endParaRPr kumimoji="1" lang="en-US" altLang="zh-CN" sz="4400" dirty="0">
+              <a:latin typeface="楷体" panose="02010609060101010101" charset="-122"/>
+              <a:ea typeface="楷体" panose="02010609060101010101" charset="-122"/>
+              <a:sym typeface="+mn-ea"/>
+            </a:endParaRPr>
           </a:p>
         </p:txBody>
       </p:sp>
@@ -7435,8 +7214,6 @@
       </a:bgFillStyleLst>
     </a:fmtScheme>
   </a:themeElements>
-  <a:objectDefaults/>
-  <a:extraClrSchemeLst/>
   <a:extLst>
     <a:ext uri="{05A4C25C-085E-4340-85A3-A5531E510DB2}">
       <thm15:themeFamily xmlns:thm15="http://schemas.microsoft.com/office/thememl/2012/main" name="Office Theme" id="{62F939B6-93AF-4DB8-9C6B-D6C7DFDC589F}" vid="{4A3C46E8-61CC-4603-A589-7422A47A8E4A}"/>
@@ -7725,8 +7502,6 @@
       </a:bgFillStyleLst>
     </a:fmtScheme>
   </a:themeElements>
-  <a:objectDefaults/>
-  <a:extraClrSchemeLst/>
   <a:extLst>
     <a:ext uri="{05A4C25C-085E-4340-85A3-A5531E510DB2}">
       <thm15:themeFamily xmlns:thm15="http://schemas.microsoft.com/office/thememl/2012/main" name="Office Theme" id="{62F939B6-93AF-4DB8-9C6B-D6C7DFDC589F}" vid="{4A3C46E8-61CC-4603-A589-7422A47A8E4A}"/>
